--- a/2-ASP MVC-1.pptx
+++ b/2-ASP MVC-1.pptx
@@ -234,7 +234,7 @@
           <a:p>
             <a:fld id="{6E91401B-9987-4D94-800D-B49B6098CE2F}" type="datetimeFigureOut">
               <a:rPr lang="en-US" smtClean="0"/>
-              <a:t>7/17/2018</a:t>
+              <a:t>7/21/2018</a:t>
             </a:fld>
             <a:endParaRPr lang="en-US"/>
           </a:p>
@@ -2419,7 +2419,7 @@
           <a:p>
             <a:fld id="{7E7B5E4B-7338-492A-A6DE-B9A57C8D44A0}" type="datetimeFigureOut">
               <a:rPr lang="en-US" smtClean="0"/>
-              <a:t>7/17/2018</a:t>
+              <a:t>7/21/2018</a:t>
             </a:fld>
             <a:endParaRPr lang="en-US"/>
           </a:p>
@@ -2589,7 +2589,7 @@
           <a:p>
             <a:fld id="{7E7B5E4B-7338-492A-A6DE-B9A57C8D44A0}" type="datetimeFigureOut">
               <a:rPr lang="en-US" smtClean="0"/>
-              <a:t>7/17/2018</a:t>
+              <a:t>7/21/2018</a:t>
             </a:fld>
             <a:endParaRPr lang="en-US"/>
           </a:p>
@@ -2769,7 +2769,7 @@
           <a:p>
             <a:fld id="{7E7B5E4B-7338-492A-A6DE-B9A57C8D44A0}" type="datetimeFigureOut">
               <a:rPr lang="en-US" smtClean="0"/>
-              <a:t>7/17/2018</a:t>
+              <a:t>7/21/2018</a:t>
             </a:fld>
             <a:endParaRPr lang="en-US"/>
           </a:p>
@@ -2939,7 +2939,7 @@
           <a:p>
             <a:fld id="{7E7B5E4B-7338-492A-A6DE-B9A57C8D44A0}" type="datetimeFigureOut">
               <a:rPr lang="en-US" smtClean="0"/>
-              <a:t>7/17/2018</a:t>
+              <a:t>7/21/2018</a:t>
             </a:fld>
             <a:endParaRPr lang="en-US"/>
           </a:p>
@@ -3185,7 +3185,7 @@
           <a:p>
             <a:fld id="{7E7B5E4B-7338-492A-A6DE-B9A57C8D44A0}" type="datetimeFigureOut">
               <a:rPr lang="en-US" smtClean="0"/>
-              <a:t>7/17/2018</a:t>
+              <a:t>7/21/2018</a:t>
             </a:fld>
             <a:endParaRPr lang="en-US"/>
           </a:p>
@@ -3417,7 +3417,7 @@
           <a:p>
             <a:fld id="{7E7B5E4B-7338-492A-A6DE-B9A57C8D44A0}" type="datetimeFigureOut">
               <a:rPr lang="en-US" smtClean="0"/>
-              <a:t>7/17/2018</a:t>
+              <a:t>7/21/2018</a:t>
             </a:fld>
             <a:endParaRPr lang="en-US"/>
           </a:p>
@@ -3784,7 +3784,7 @@
           <a:p>
             <a:fld id="{7E7B5E4B-7338-492A-A6DE-B9A57C8D44A0}" type="datetimeFigureOut">
               <a:rPr lang="en-US" smtClean="0"/>
-              <a:t>7/17/2018</a:t>
+              <a:t>7/21/2018</a:t>
             </a:fld>
             <a:endParaRPr lang="en-US"/>
           </a:p>
@@ -3902,7 +3902,7 @@
           <a:p>
             <a:fld id="{7E7B5E4B-7338-492A-A6DE-B9A57C8D44A0}" type="datetimeFigureOut">
               <a:rPr lang="en-US" smtClean="0"/>
-              <a:t>7/17/2018</a:t>
+              <a:t>7/21/2018</a:t>
             </a:fld>
             <a:endParaRPr lang="en-US"/>
           </a:p>
@@ -3997,7 +3997,7 @@
           <a:p>
             <a:fld id="{7E7B5E4B-7338-492A-A6DE-B9A57C8D44A0}" type="datetimeFigureOut">
               <a:rPr lang="en-US" smtClean="0"/>
-              <a:t>7/17/2018</a:t>
+              <a:t>7/21/2018</a:t>
             </a:fld>
             <a:endParaRPr lang="en-US"/>
           </a:p>
@@ -4274,7 +4274,7 @@
           <a:p>
             <a:fld id="{7E7B5E4B-7338-492A-A6DE-B9A57C8D44A0}" type="datetimeFigureOut">
               <a:rPr lang="en-US" smtClean="0"/>
-              <a:t>7/17/2018</a:t>
+              <a:t>7/21/2018</a:t>
             </a:fld>
             <a:endParaRPr lang="en-US"/>
           </a:p>
@@ -4527,7 +4527,7 @@
           <a:p>
             <a:fld id="{7E7B5E4B-7338-492A-A6DE-B9A57C8D44A0}" type="datetimeFigureOut">
               <a:rPr lang="en-US" smtClean="0"/>
-              <a:t>7/17/2018</a:t>
+              <a:t>7/21/2018</a:t>
             </a:fld>
             <a:endParaRPr lang="en-US"/>
           </a:p>
@@ -4740,7 +4740,7 @@
           <a:p>
             <a:fld id="{7E7B5E4B-7338-492A-A6DE-B9A57C8D44A0}" type="datetimeFigureOut">
               <a:rPr lang="en-US" smtClean="0"/>
-              <a:t>7/17/2018</a:t>
+              <a:t>7/21/2018</a:t>
             </a:fld>
             <a:endParaRPr lang="en-US"/>
           </a:p>
@@ -5183,6 +5183,10 @@
           <a:bodyPr/>
           <a:lstStyle/>
           <a:p>
+            <a:r>
+              <a:rPr lang="en-US" smtClean="0"/>
+              <a:t>Hello</a:t>
+            </a:r>
             <a:endParaRPr lang="en-US"/>
           </a:p>
         </p:txBody>
